--- a/lecture_1/جلسه اول.pptx
+++ b/lecture_1/جلسه اول.pptx
@@ -19,6 +19,13 @@
     <p:sldId id="267" r:id="rId13"/>
     <p:sldId id="268" r:id="rId14"/>
     <p:sldId id="269" r:id="rId15"/>
+    <p:sldId id="270" r:id="rId16"/>
+    <p:sldId id="271" r:id="rId17"/>
+    <p:sldId id="272" r:id="rId18"/>
+    <p:sldId id="273" r:id="rId19"/>
+    <p:sldId id="274" r:id="rId20"/>
+    <p:sldId id="275" r:id="rId21"/>
+    <p:sldId id="277" r:id="rId22"/>
   </p:sldIdLst>
   <p:sldSz cx="12192000" cy="6858000"/>
   <p:notesSz cx="6858000" cy="9144000"/>
@@ -339,7 +346,7 @@
             <a:fld id="{B61BEF0D-F0BB-DE4B-95CE-6DB70DBA9567}" type="datetimeFigureOut">
               <a:rPr lang="en-US"/>
               <a:pPr/>
-              <a:t>12/9/2023</a:t>
+              <a:t>12/12/2023</a:t>
             </a:fld>
             <a:endParaRPr lang="en-US"/>
           </a:p>
@@ -626,7 +633,7 @@
             <a:fld id="{B61BEF0D-F0BB-DE4B-95CE-6DB70DBA9567}" type="datetimeFigureOut">
               <a:rPr lang="en-US"/>
               <a:pPr/>
-              <a:t>12/9/2023</a:t>
+              <a:t>12/12/2023</a:t>
             </a:fld>
             <a:endParaRPr lang="en-US"/>
           </a:p>
@@ -882,7 +889,7 @@
             <a:fld id="{B61BEF0D-F0BB-DE4B-95CE-6DB70DBA9567}" type="datetimeFigureOut">
               <a:rPr lang="en-US"/>
               <a:pPr/>
-              <a:t>12/9/2023</a:t>
+              <a:t>12/12/2023</a:t>
             </a:fld>
             <a:endParaRPr lang="en-US"/>
           </a:p>
@@ -1348,7 +1355,7 @@
             <a:fld id="{B61BEF0D-F0BB-DE4B-95CE-6DB70DBA9567}" type="datetimeFigureOut">
               <a:rPr lang="en-US"/>
               <a:pPr/>
-              <a:t>12/9/2023</a:t>
+              <a:t>12/12/2023</a:t>
             </a:fld>
             <a:endParaRPr lang="en-US"/>
           </a:p>
@@ -1525,7 +1532,7 @@
             <a:fld id="{B61BEF0D-F0BB-DE4B-95CE-6DB70DBA9567}" type="datetimeFigureOut">
               <a:rPr lang="en-US"/>
               <a:pPr/>
-              <a:t>12/9/2023</a:t>
+              <a:t>12/12/2023</a:t>
             </a:fld>
             <a:endParaRPr lang="en-US"/>
           </a:p>
@@ -2098,7 +2105,7 @@
             <a:fld id="{B61BEF0D-F0BB-DE4B-95CE-6DB70DBA9567}" type="datetimeFigureOut">
               <a:rPr lang="en-US"/>
               <a:pPr/>
-              <a:t>12/9/2023</a:t>
+              <a:t>12/12/2023</a:t>
             </a:fld>
             <a:endParaRPr lang="en-US"/>
           </a:p>
@@ -2427,7 +2434,7 @@
             <a:fld id="{B61BEF0D-F0BB-DE4B-95CE-6DB70DBA9567}" type="datetimeFigureOut">
               <a:rPr lang="en-US"/>
               <a:pPr/>
-              <a:t>12/9/2023</a:t>
+              <a:t>12/12/2023</a:t>
             </a:fld>
             <a:endParaRPr lang="en-US"/>
           </a:p>
@@ -2599,7 +2606,7 @@
             <a:fld id="{B61BEF0D-F0BB-DE4B-95CE-6DB70DBA9567}" type="datetimeFigureOut">
               <a:rPr lang="en-US"/>
               <a:pPr/>
-              <a:t>12/9/2023</a:t>
+              <a:t>12/12/2023</a:t>
             </a:fld>
             <a:endParaRPr lang="en-US"/>
           </a:p>
@@ -2776,7 +2783,7 @@
             <a:fld id="{B61BEF0D-F0BB-DE4B-95CE-6DB70DBA9567}" type="datetimeFigureOut">
               <a:rPr lang="en-US"/>
               <a:pPr/>
-              <a:t>12/9/2023</a:t>
+              <a:t>12/12/2023</a:t>
             </a:fld>
             <a:endParaRPr lang="en-US"/>
           </a:p>
@@ -2943,7 +2950,7 @@
             <a:fld id="{B61BEF0D-F0BB-DE4B-95CE-6DB70DBA9567}" type="datetimeFigureOut">
               <a:rPr lang="en-US"/>
               <a:pPr/>
-              <a:t>12/9/2023</a:t>
+              <a:t>12/12/2023</a:t>
             </a:fld>
             <a:endParaRPr lang="en-US"/>
           </a:p>
@@ -3197,7 +3204,7 @@
             <a:fld id="{B61BEF0D-F0BB-DE4B-95CE-6DB70DBA9567}" type="datetimeFigureOut">
               <a:rPr lang="en-US"/>
               <a:pPr/>
-              <a:t>12/9/2023</a:t>
+              <a:t>12/12/2023</a:t>
             </a:fld>
             <a:endParaRPr lang="en-US"/>
           </a:p>
@@ -3486,7 +3493,7 @@
             <a:fld id="{B61BEF0D-F0BB-DE4B-95CE-6DB70DBA9567}" type="datetimeFigureOut">
               <a:rPr lang="en-US"/>
               <a:pPr/>
-              <a:t>12/9/2023</a:t>
+              <a:t>12/12/2023</a:t>
             </a:fld>
             <a:endParaRPr lang="en-US"/>
           </a:p>
@@ -3913,7 +3920,7 @@
             <a:fld id="{B61BEF0D-F0BB-DE4B-95CE-6DB70DBA9567}" type="datetimeFigureOut">
               <a:rPr lang="en-US"/>
               <a:pPr/>
-              <a:t>12/9/2023</a:t>
+              <a:t>12/12/2023</a:t>
             </a:fld>
             <a:endParaRPr lang="en-US"/>
           </a:p>
@@ -4028,7 +4035,7 @@
             <a:fld id="{B61BEF0D-F0BB-DE4B-95CE-6DB70DBA9567}" type="datetimeFigureOut">
               <a:rPr lang="en-US"/>
               <a:pPr/>
-              <a:t>12/9/2023</a:t>
+              <a:t>12/12/2023</a:t>
             </a:fld>
             <a:endParaRPr lang="en-US"/>
           </a:p>
@@ -4120,7 +4127,7 @@
             <a:fld id="{B61BEF0D-F0BB-DE4B-95CE-6DB70DBA9567}" type="datetimeFigureOut">
               <a:rPr lang="en-US"/>
               <a:pPr/>
-              <a:t>12/9/2023</a:t>
+              <a:t>12/12/2023</a:t>
             </a:fld>
             <a:endParaRPr lang="en-US"/>
           </a:p>
@@ -4400,7 +4407,7 @@
             <a:fld id="{B61BEF0D-F0BB-DE4B-95CE-6DB70DBA9567}" type="datetimeFigureOut">
               <a:rPr lang="en-US"/>
               <a:pPr/>
-              <a:t>12/9/2023</a:t>
+              <a:t>12/12/2023</a:t>
             </a:fld>
             <a:endParaRPr lang="en-US"/>
           </a:p>
@@ -4687,7 +4694,7 @@
             <a:fld id="{B61BEF0D-F0BB-DE4B-95CE-6DB70DBA9567}" type="datetimeFigureOut">
               <a:rPr lang="en-US"/>
               <a:pPr/>
-              <a:t>12/9/2023</a:t>
+              <a:t>12/12/2023</a:t>
             </a:fld>
             <a:endParaRPr lang="en-US"/>
           </a:p>
@@ -4915,7 +4922,7 @@
             <a:fld id="{B61BEF0D-F0BB-DE4B-95CE-6DB70DBA9567}" type="datetimeFigureOut">
               <a:rPr lang="en-US"/>
               <a:pPr/>
-              <a:t>12/9/2023</a:t>
+              <a:t>12/12/2023</a:t>
             </a:fld>
             <a:endParaRPr lang="en-US"/>
           </a:p>
@@ -8024,6 +8031,811 @@
 </p:sld>
 </file>
 
+<file path=ppt/slides/slide15.xml><?xml version="1.0" encoding="utf-8"?>
+<p:sld xmlns:a="http://schemas.openxmlformats.org/drawingml/2006/main" xmlns:r="http://schemas.openxmlformats.org/officeDocument/2006/relationships" xmlns:p="http://schemas.openxmlformats.org/presentationml/2006/main">
+  <p:cSld>
+    <p:spTree>
+      <p:nvGrpSpPr>
+        <p:cNvPr id="1" name=""/>
+        <p:cNvGrpSpPr/>
+        <p:nvPr/>
+      </p:nvGrpSpPr>
+      <p:grpSpPr>
+        <a:xfrm>
+          <a:off x="0" y="0"/>
+          <a:ext cx="0" cy="0"/>
+          <a:chOff x="0" y="0"/>
+          <a:chExt cx="0" cy="0"/>
+        </a:xfrm>
+      </p:grpSpPr>
+      <p:sp>
+        <p:nvSpPr>
+          <p:cNvPr id="2" name="Title 1">
+            <a:extLst>
+              <a:ext uri="{FF2B5EF4-FFF2-40B4-BE49-F238E27FC236}">
+                <a16:creationId xmlns:a16="http://schemas.microsoft.com/office/drawing/2014/main" id="{107AB305-AB44-8083-5993-1EB04C302387}"/>
+              </a:ext>
+            </a:extLst>
+          </p:cNvPr>
+          <p:cNvSpPr>
+            <a:spLocks noGrp="1"/>
+          </p:cNvSpPr>
+          <p:nvPr>
+            <p:ph type="title"/>
+          </p:nvPr>
+        </p:nvSpPr>
+        <p:spPr/>
+        <p:txBody>
+          <a:bodyPr>
+            <a:normAutofit/>
+          </a:bodyPr>
+          <a:lstStyle/>
+          <a:p>
+            <a:pPr algn="ctr" rtl="1"/>
+            <a:r>
+              <a:rPr lang="fa-IR" sz="4000" cap="none">
+                <a:solidFill>
+                  <a:schemeClr val="tx1"/>
+                </a:solidFill>
+                <a:effectLst>
+                  <a:glow rad="38100">
+                    <a:schemeClr val="bg1">
+                      <a:lumMod val="65000"/>
+                      <a:lumOff val="35000"/>
+                      <a:alpha val="40000"/>
+                    </a:schemeClr>
+                  </a:glow>
+                </a:effectLst>
+                <a:latin typeface="Adobe Arabic" panose="02040503050201020203" pitchFamily="18" charset="-78"/>
+                <a:cs typeface="Adobe Arabic" panose="02040503050201020203" pitchFamily="18" charset="-78"/>
+              </a:rPr>
+              <a:t>سوال سوم</a:t>
+            </a:r>
+            <a:endParaRPr lang="en-US" sz="4000" cap="none">
+              <a:solidFill>
+                <a:schemeClr val="tx1"/>
+              </a:solidFill>
+              <a:effectLst>
+                <a:glow rad="38100">
+                  <a:schemeClr val="bg1">
+                    <a:lumMod val="65000"/>
+                    <a:lumOff val="35000"/>
+                    <a:alpha val="40000"/>
+                  </a:schemeClr>
+                </a:glow>
+              </a:effectLst>
+              <a:latin typeface="Adobe Arabic" panose="02040503050201020203" pitchFamily="18" charset="-78"/>
+              <a:cs typeface="Adobe Arabic" panose="02040503050201020203" pitchFamily="18" charset="-78"/>
+            </a:endParaRPr>
+          </a:p>
+        </p:txBody>
+      </p:sp>
+      <p:sp>
+        <p:nvSpPr>
+          <p:cNvPr id="3" name="Content Placeholder 2">
+            <a:extLst>
+              <a:ext uri="{FF2B5EF4-FFF2-40B4-BE49-F238E27FC236}">
+                <a16:creationId xmlns:a16="http://schemas.microsoft.com/office/drawing/2014/main" id="{6B49697D-BE84-FE57-7B9D-7A4481C3D290}"/>
+              </a:ext>
+            </a:extLst>
+          </p:cNvPr>
+          <p:cNvSpPr>
+            <a:spLocks noGrp="1"/>
+          </p:cNvSpPr>
+          <p:nvPr>
+            <p:ph idx="1"/>
+          </p:nvPr>
+        </p:nvSpPr>
+        <p:spPr>
+          <a:xfrm>
+            <a:off x="1141413" y="2696547"/>
+            <a:ext cx="9905998" cy="3551853"/>
+          </a:xfrm>
+        </p:spPr>
+        <p:txBody>
+          <a:bodyPr>
+            <a:normAutofit/>
+          </a:bodyPr>
+          <a:lstStyle/>
+          <a:p>
+            <a:pPr marL="0" indent="0" algn="ctr">
+              <a:buNone/>
+            </a:pPr>
+            <a:r>
+              <a:rPr lang="fa-IR" sz="2800" cap="none">
+                <a:solidFill>
+                  <a:schemeClr val="tx1"/>
+                </a:solidFill>
+                <a:effectLst>
+                  <a:glow rad="38100">
+                    <a:schemeClr val="bg1">
+                      <a:lumMod val="50000"/>
+                      <a:lumOff val="50000"/>
+                      <a:alpha val="20000"/>
+                    </a:schemeClr>
+                  </a:glow>
+                </a:effectLst>
+                <a:latin typeface="Adobe Arabic" panose="02040503050201020203" pitchFamily="18" charset="-78"/>
+                <a:cs typeface="Adobe Arabic" panose="02040503050201020203" pitchFamily="18" charset="-78"/>
+              </a:rPr>
+              <a:t>برنامه ای بنویسید که دو عدد از کار بر گرفته و ضرب، جمع و تقسیم این دو عدد رو بده</a:t>
+            </a:r>
+            <a:endParaRPr lang="en-US" sz="2800" cap="none">
+              <a:solidFill>
+                <a:schemeClr val="tx1"/>
+              </a:solidFill>
+              <a:effectLst>
+                <a:glow rad="38100">
+                  <a:schemeClr val="bg1">
+                    <a:lumMod val="50000"/>
+                    <a:lumOff val="50000"/>
+                    <a:alpha val="20000"/>
+                  </a:schemeClr>
+                </a:glow>
+              </a:effectLst>
+              <a:latin typeface="Adobe Arabic" panose="02040503050201020203" pitchFamily="18" charset="-78"/>
+              <a:cs typeface="Adobe Arabic" panose="02040503050201020203" pitchFamily="18" charset="-78"/>
+            </a:endParaRPr>
+          </a:p>
+        </p:txBody>
+      </p:sp>
+    </p:spTree>
+    <p:extLst>
+      <p:ext uri="{BB962C8B-B14F-4D97-AF65-F5344CB8AC3E}">
+        <p14:creationId xmlns:p14="http://schemas.microsoft.com/office/powerpoint/2010/main" val="3746917778"/>
+      </p:ext>
+    </p:extLst>
+  </p:cSld>
+  <p:clrMapOvr>
+    <a:masterClrMapping/>
+  </p:clrMapOvr>
+</p:sld>
+</file>
+
+<file path=ppt/slides/slide16.xml><?xml version="1.0" encoding="utf-8"?>
+<p:sld xmlns:a="http://schemas.openxmlformats.org/drawingml/2006/main" xmlns:r="http://schemas.openxmlformats.org/officeDocument/2006/relationships" xmlns:p="http://schemas.openxmlformats.org/presentationml/2006/main">
+  <p:cSld>
+    <p:spTree>
+      <p:nvGrpSpPr>
+        <p:cNvPr id="1" name=""/>
+        <p:cNvGrpSpPr/>
+        <p:nvPr/>
+      </p:nvGrpSpPr>
+      <p:grpSpPr>
+        <a:xfrm>
+          <a:off x="0" y="0"/>
+          <a:ext cx="0" cy="0"/>
+          <a:chOff x="0" y="0"/>
+          <a:chExt cx="0" cy="0"/>
+        </a:xfrm>
+      </p:grpSpPr>
+      <p:sp>
+        <p:nvSpPr>
+          <p:cNvPr id="2" name="Title 1">
+            <a:extLst>
+              <a:ext uri="{FF2B5EF4-FFF2-40B4-BE49-F238E27FC236}">
+                <a16:creationId xmlns:a16="http://schemas.microsoft.com/office/drawing/2014/main" id="{107AB305-AB44-8083-5993-1EB04C302387}"/>
+              </a:ext>
+            </a:extLst>
+          </p:cNvPr>
+          <p:cNvSpPr>
+            <a:spLocks noGrp="1"/>
+          </p:cNvSpPr>
+          <p:nvPr>
+            <p:ph type="title"/>
+          </p:nvPr>
+        </p:nvSpPr>
+        <p:spPr/>
+        <p:txBody>
+          <a:bodyPr>
+            <a:normAutofit/>
+          </a:bodyPr>
+          <a:lstStyle/>
+          <a:p>
+            <a:pPr algn="ctr" rtl="1"/>
+            <a:r>
+              <a:rPr lang="fa-IR" sz="4000" cap="none">
+                <a:solidFill>
+                  <a:schemeClr val="tx1"/>
+                </a:solidFill>
+                <a:effectLst>
+                  <a:glow rad="38100">
+                    <a:schemeClr val="bg1">
+                      <a:lumMod val="65000"/>
+                      <a:lumOff val="35000"/>
+                      <a:alpha val="40000"/>
+                    </a:schemeClr>
+                  </a:glow>
+                </a:effectLst>
+                <a:latin typeface="Adobe Arabic" panose="02040503050201020203" pitchFamily="18" charset="-78"/>
+                <a:cs typeface="Adobe Arabic" panose="02040503050201020203" pitchFamily="18" charset="-78"/>
+              </a:rPr>
+              <a:t>سوال چهارم</a:t>
+            </a:r>
+            <a:endParaRPr lang="en-US" sz="4000" cap="none">
+              <a:solidFill>
+                <a:schemeClr val="tx1"/>
+              </a:solidFill>
+              <a:effectLst>
+                <a:glow rad="38100">
+                  <a:schemeClr val="bg1">
+                    <a:lumMod val="65000"/>
+                    <a:lumOff val="35000"/>
+                    <a:alpha val="40000"/>
+                  </a:schemeClr>
+                </a:glow>
+              </a:effectLst>
+              <a:latin typeface="Adobe Arabic" panose="02040503050201020203" pitchFamily="18" charset="-78"/>
+              <a:cs typeface="Adobe Arabic" panose="02040503050201020203" pitchFamily="18" charset="-78"/>
+            </a:endParaRPr>
+          </a:p>
+        </p:txBody>
+      </p:sp>
+      <p:sp>
+        <p:nvSpPr>
+          <p:cNvPr id="3" name="Content Placeholder 2">
+            <a:extLst>
+              <a:ext uri="{FF2B5EF4-FFF2-40B4-BE49-F238E27FC236}">
+                <a16:creationId xmlns:a16="http://schemas.microsoft.com/office/drawing/2014/main" id="{6B49697D-BE84-FE57-7B9D-7A4481C3D290}"/>
+              </a:ext>
+            </a:extLst>
+          </p:cNvPr>
+          <p:cNvSpPr>
+            <a:spLocks noGrp="1"/>
+          </p:cNvSpPr>
+          <p:nvPr>
+            <p:ph idx="1"/>
+          </p:nvPr>
+        </p:nvSpPr>
+        <p:spPr>
+          <a:xfrm>
+            <a:off x="1141413" y="2696547"/>
+            <a:ext cx="9905998" cy="3551853"/>
+          </a:xfrm>
+        </p:spPr>
+        <p:txBody>
+          <a:bodyPr>
+            <a:normAutofit/>
+          </a:bodyPr>
+          <a:lstStyle/>
+          <a:p>
+            <a:pPr marL="0" indent="0" algn="ctr">
+              <a:buNone/>
+            </a:pPr>
+            <a:r>
+              <a:rPr lang="fa-IR" sz="2800" cap="none">
+                <a:solidFill>
+                  <a:schemeClr val="tx1"/>
+                </a:solidFill>
+                <a:effectLst>
+                  <a:glow rad="38100">
+                    <a:schemeClr val="bg1">
+                      <a:lumMod val="50000"/>
+                      <a:lumOff val="50000"/>
+                      <a:alpha val="20000"/>
+                    </a:schemeClr>
+                  </a:glow>
+                </a:effectLst>
+                <a:latin typeface="Adobe Arabic" panose="02040503050201020203" pitchFamily="18" charset="-78"/>
+                <a:cs typeface="Adobe Arabic" panose="02040503050201020203" pitchFamily="18" charset="-78"/>
+              </a:rPr>
+              <a:t>یه متن رو از کاربر بگیرید و به صورت برعکس چاپ کنید.</a:t>
+            </a:r>
+            <a:endParaRPr lang="en-US" sz="2800" cap="none">
+              <a:solidFill>
+                <a:schemeClr val="tx1"/>
+              </a:solidFill>
+              <a:effectLst>
+                <a:glow rad="38100">
+                  <a:schemeClr val="bg1">
+                    <a:lumMod val="50000"/>
+                    <a:lumOff val="50000"/>
+                    <a:alpha val="20000"/>
+                  </a:schemeClr>
+                </a:glow>
+              </a:effectLst>
+              <a:latin typeface="Adobe Arabic" panose="02040503050201020203" pitchFamily="18" charset="-78"/>
+              <a:cs typeface="Adobe Arabic" panose="02040503050201020203" pitchFamily="18" charset="-78"/>
+            </a:endParaRPr>
+          </a:p>
+        </p:txBody>
+      </p:sp>
+    </p:spTree>
+    <p:extLst>
+      <p:ext uri="{BB962C8B-B14F-4D97-AF65-F5344CB8AC3E}">
+        <p14:creationId xmlns:p14="http://schemas.microsoft.com/office/powerpoint/2010/main" val="1688380662"/>
+      </p:ext>
+    </p:extLst>
+  </p:cSld>
+  <p:clrMapOvr>
+    <a:masterClrMapping/>
+  </p:clrMapOvr>
+</p:sld>
+</file>
+
+<file path=ppt/slides/slide17.xml><?xml version="1.0" encoding="utf-8"?>
+<p:sld xmlns:a="http://schemas.openxmlformats.org/drawingml/2006/main" xmlns:r="http://schemas.openxmlformats.org/officeDocument/2006/relationships" xmlns:p="http://schemas.openxmlformats.org/presentationml/2006/main">
+  <p:cSld>
+    <p:spTree>
+      <p:nvGrpSpPr>
+        <p:cNvPr id="1" name=""/>
+        <p:cNvGrpSpPr/>
+        <p:nvPr/>
+      </p:nvGrpSpPr>
+      <p:grpSpPr>
+        <a:xfrm>
+          <a:off x="0" y="0"/>
+          <a:ext cx="0" cy="0"/>
+          <a:chOff x="0" y="0"/>
+          <a:chExt cx="0" cy="0"/>
+        </a:xfrm>
+      </p:grpSpPr>
+      <p:sp>
+        <p:nvSpPr>
+          <p:cNvPr id="2" name="Title 1">
+            <a:extLst>
+              <a:ext uri="{FF2B5EF4-FFF2-40B4-BE49-F238E27FC236}">
+                <a16:creationId xmlns:a16="http://schemas.microsoft.com/office/drawing/2014/main" id="{107AB305-AB44-8083-5993-1EB04C302387}"/>
+              </a:ext>
+            </a:extLst>
+          </p:cNvPr>
+          <p:cNvSpPr>
+            <a:spLocks noGrp="1"/>
+          </p:cNvSpPr>
+          <p:nvPr>
+            <p:ph type="title"/>
+          </p:nvPr>
+        </p:nvSpPr>
+        <p:spPr/>
+        <p:txBody>
+          <a:bodyPr>
+            <a:normAutofit/>
+          </a:bodyPr>
+          <a:lstStyle/>
+          <a:p>
+            <a:pPr algn="ctr" rtl="1"/>
+            <a:r>
+              <a:rPr lang="fa-IR" sz="4000" cap="none">
+                <a:solidFill>
+                  <a:schemeClr val="tx1"/>
+                </a:solidFill>
+                <a:effectLst>
+                  <a:glow rad="38100">
+                    <a:schemeClr val="bg1">
+                      <a:lumMod val="65000"/>
+                      <a:lumOff val="35000"/>
+                      <a:alpha val="40000"/>
+                    </a:schemeClr>
+                  </a:glow>
+                </a:effectLst>
+                <a:latin typeface="Adobe Arabic" panose="02040503050201020203" pitchFamily="18" charset="-78"/>
+                <a:cs typeface="Adobe Arabic" panose="02040503050201020203" pitchFamily="18" charset="-78"/>
+              </a:rPr>
+              <a:t>سوال پنجم</a:t>
+            </a:r>
+            <a:endParaRPr lang="en-US" sz="4000" cap="none">
+              <a:solidFill>
+                <a:schemeClr val="tx1"/>
+              </a:solidFill>
+              <a:effectLst>
+                <a:glow rad="38100">
+                  <a:schemeClr val="bg1">
+                    <a:lumMod val="65000"/>
+                    <a:lumOff val="35000"/>
+                    <a:alpha val="40000"/>
+                  </a:schemeClr>
+                </a:glow>
+              </a:effectLst>
+              <a:latin typeface="Adobe Arabic" panose="02040503050201020203" pitchFamily="18" charset="-78"/>
+              <a:cs typeface="Adobe Arabic" panose="02040503050201020203" pitchFamily="18" charset="-78"/>
+            </a:endParaRPr>
+          </a:p>
+        </p:txBody>
+      </p:sp>
+      <p:sp>
+        <p:nvSpPr>
+          <p:cNvPr id="3" name="Content Placeholder 2">
+            <a:extLst>
+              <a:ext uri="{FF2B5EF4-FFF2-40B4-BE49-F238E27FC236}">
+                <a16:creationId xmlns:a16="http://schemas.microsoft.com/office/drawing/2014/main" id="{6B49697D-BE84-FE57-7B9D-7A4481C3D290}"/>
+              </a:ext>
+            </a:extLst>
+          </p:cNvPr>
+          <p:cNvSpPr>
+            <a:spLocks noGrp="1"/>
+          </p:cNvSpPr>
+          <p:nvPr>
+            <p:ph idx="1"/>
+          </p:nvPr>
+        </p:nvSpPr>
+        <p:spPr>
+          <a:xfrm>
+            <a:off x="1141413" y="2696547"/>
+            <a:ext cx="9905998" cy="3551853"/>
+          </a:xfrm>
+        </p:spPr>
+        <p:txBody>
+          <a:bodyPr>
+            <a:normAutofit/>
+          </a:bodyPr>
+          <a:lstStyle/>
+          <a:p>
+            <a:pPr marL="0" indent="0" algn="ctr">
+              <a:buNone/>
+            </a:pPr>
+            <a:r>
+              <a:rPr lang="fa-IR" sz="2800" cap="none">
+                <a:solidFill>
+                  <a:schemeClr val="tx1"/>
+                </a:solidFill>
+                <a:effectLst>
+                  <a:glow rad="38100">
+                    <a:schemeClr val="bg1">
+                      <a:lumMod val="50000"/>
+                      <a:lumOff val="50000"/>
+                      <a:alpha val="20000"/>
+                    </a:schemeClr>
+                  </a:glow>
+                </a:effectLst>
+                <a:latin typeface="Adobe Arabic" panose="02040503050201020203" pitchFamily="18" charset="-78"/>
+                <a:cs typeface="Adobe Arabic" panose="02040503050201020203" pitchFamily="18" charset="-78"/>
+              </a:rPr>
+              <a:t>برنامه ای بنویسید که از دو لیست موارد مشترکش رو به صورت یه لیست در خروجی چاپ کند</a:t>
+            </a:r>
+            <a:endParaRPr lang="en-US" sz="2800" cap="none">
+              <a:solidFill>
+                <a:schemeClr val="tx1"/>
+              </a:solidFill>
+              <a:effectLst>
+                <a:glow rad="38100">
+                  <a:schemeClr val="bg1">
+                    <a:lumMod val="50000"/>
+                    <a:lumOff val="50000"/>
+                    <a:alpha val="20000"/>
+                  </a:schemeClr>
+                </a:glow>
+              </a:effectLst>
+              <a:latin typeface="Adobe Arabic" panose="02040503050201020203" pitchFamily="18" charset="-78"/>
+              <a:cs typeface="Adobe Arabic" panose="02040503050201020203" pitchFamily="18" charset="-78"/>
+            </a:endParaRPr>
+          </a:p>
+        </p:txBody>
+      </p:sp>
+    </p:spTree>
+    <p:extLst>
+      <p:ext uri="{BB962C8B-B14F-4D97-AF65-F5344CB8AC3E}">
+        <p14:creationId xmlns:p14="http://schemas.microsoft.com/office/powerpoint/2010/main" val="2985016593"/>
+      </p:ext>
+    </p:extLst>
+  </p:cSld>
+  <p:clrMapOvr>
+    <a:masterClrMapping/>
+  </p:clrMapOvr>
+</p:sld>
+</file>
+
+<file path=ppt/slides/slide18.xml><?xml version="1.0" encoding="utf-8"?>
+<p:sld xmlns:a="http://schemas.openxmlformats.org/drawingml/2006/main" xmlns:r="http://schemas.openxmlformats.org/officeDocument/2006/relationships" xmlns:p="http://schemas.openxmlformats.org/presentationml/2006/main">
+  <p:cSld>
+    <p:spTree>
+      <p:nvGrpSpPr>
+        <p:cNvPr id="1" name=""/>
+        <p:cNvGrpSpPr/>
+        <p:nvPr/>
+      </p:nvGrpSpPr>
+      <p:grpSpPr>
+        <a:xfrm>
+          <a:off x="0" y="0"/>
+          <a:ext cx="0" cy="0"/>
+          <a:chOff x="0" y="0"/>
+          <a:chExt cx="0" cy="0"/>
+        </a:xfrm>
+      </p:grpSpPr>
+      <p:sp>
+        <p:nvSpPr>
+          <p:cNvPr id="2" name="Title 1">
+            <a:extLst>
+              <a:ext uri="{FF2B5EF4-FFF2-40B4-BE49-F238E27FC236}">
+                <a16:creationId xmlns:a16="http://schemas.microsoft.com/office/drawing/2014/main" id="{107AB305-AB44-8083-5993-1EB04C302387}"/>
+              </a:ext>
+            </a:extLst>
+          </p:cNvPr>
+          <p:cNvSpPr>
+            <a:spLocks noGrp="1"/>
+          </p:cNvSpPr>
+          <p:nvPr>
+            <p:ph type="title"/>
+          </p:nvPr>
+        </p:nvSpPr>
+        <p:spPr/>
+        <p:txBody>
+          <a:bodyPr>
+            <a:normAutofit/>
+          </a:bodyPr>
+          <a:lstStyle/>
+          <a:p>
+            <a:pPr algn="ctr" rtl="1"/>
+            <a:r>
+              <a:rPr lang="fa-IR" sz="4000" cap="none">
+                <a:solidFill>
+                  <a:schemeClr val="tx1"/>
+                </a:solidFill>
+                <a:effectLst>
+                  <a:glow rad="38100">
+                    <a:schemeClr val="bg1">
+                      <a:lumMod val="65000"/>
+                      <a:lumOff val="35000"/>
+                      <a:alpha val="40000"/>
+                    </a:schemeClr>
+                  </a:glow>
+                </a:effectLst>
+                <a:latin typeface="Adobe Arabic" panose="02040503050201020203" pitchFamily="18" charset="-78"/>
+                <a:cs typeface="Adobe Arabic" panose="02040503050201020203" pitchFamily="18" charset="-78"/>
+              </a:rPr>
+              <a:t>سوال ششم</a:t>
+            </a:r>
+            <a:endParaRPr lang="en-US" sz="4000" cap="none">
+              <a:solidFill>
+                <a:schemeClr val="tx1"/>
+              </a:solidFill>
+              <a:effectLst>
+                <a:glow rad="38100">
+                  <a:schemeClr val="bg1">
+                    <a:lumMod val="65000"/>
+                    <a:lumOff val="35000"/>
+                    <a:alpha val="40000"/>
+                  </a:schemeClr>
+                </a:glow>
+              </a:effectLst>
+              <a:latin typeface="Adobe Arabic" panose="02040503050201020203" pitchFamily="18" charset="-78"/>
+              <a:cs typeface="Adobe Arabic" panose="02040503050201020203" pitchFamily="18" charset="-78"/>
+            </a:endParaRPr>
+          </a:p>
+        </p:txBody>
+      </p:sp>
+      <p:sp>
+        <p:nvSpPr>
+          <p:cNvPr id="3" name="Content Placeholder 2">
+            <a:extLst>
+              <a:ext uri="{FF2B5EF4-FFF2-40B4-BE49-F238E27FC236}">
+                <a16:creationId xmlns:a16="http://schemas.microsoft.com/office/drawing/2014/main" id="{6B49697D-BE84-FE57-7B9D-7A4481C3D290}"/>
+              </a:ext>
+            </a:extLst>
+          </p:cNvPr>
+          <p:cNvSpPr>
+            <a:spLocks noGrp="1"/>
+          </p:cNvSpPr>
+          <p:nvPr>
+            <p:ph idx="1"/>
+          </p:nvPr>
+        </p:nvSpPr>
+        <p:spPr>
+          <a:xfrm>
+            <a:off x="1141413" y="2696547"/>
+            <a:ext cx="9905998" cy="3551853"/>
+          </a:xfrm>
+        </p:spPr>
+        <p:txBody>
+          <a:bodyPr>
+            <a:normAutofit/>
+          </a:bodyPr>
+          <a:lstStyle/>
+          <a:p>
+            <a:pPr marL="0" indent="0" algn="ctr">
+              <a:buNone/>
+            </a:pPr>
+            <a:r>
+              <a:rPr lang="fa-IR" sz="2800" cap="none">
+                <a:solidFill>
+                  <a:schemeClr val="tx1"/>
+                </a:solidFill>
+                <a:effectLst>
+                  <a:glow rad="38100">
+                    <a:schemeClr val="bg1">
+                      <a:lumMod val="50000"/>
+                      <a:lumOff val="50000"/>
+                      <a:alpha val="20000"/>
+                    </a:schemeClr>
+                  </a:glow>
+                </a:effectLst>
+                <a:latin typeface="Adobe Arabic" panose="02040503050201020203" pitchFamily="18" charset="-78"/>
+                <a:cs typeface="Adobe Arabic" panose="02040503050201020203" pitchFamily="18" charset="-78"/>
+              </a:rPr>
+              <a:t>برنامه ای بنویسید که تعداد کلمات داخل متنی که کاربر میده رو حساب کند.</a:t>
+            </a:r>
+            <a:endParaRPr lang="en-US" sz="2800" cap="none">
+              <a:solidFill>
+                <a:schemeClr val="tx1"/>
+              </a:solidFill>
+              <a:effectLst>
+                <a:glow rad="38100">
+                  <a:schemeClr val="bg1">
+                    <a:lumMod val="50000"/>
+                    <a:lumOff val="50000"/>
+                    <a:alpha val="20000"/>
+                  </a:schemeClr>
+                </a:glow>
+              </a:effectLst>
+              <a:latin typeface="Adobe Arabic" panose="02040503050201020203" pitchFamily="18" charset="-78"/>
+              <a:cs typeface="Adobe Arabic" panose="02040503050201020203" pitchFamily="18" charset="-78"/>
+            </a:endParaRPr>
+          </a:p>
+        </p:txBody>
+      </p:sp>
+    </p:spTree>
+    <p:extLst>
+      <p:ext uri="{BB962C8B-B14F-4D97-AF65-F5344CB8AC3E}">
+        <p14:creationId xmlns:p14="http://schemas.microsoft.com/office/powerpoint/2010/main" val="2212008642"/>
+      </p:ext>
+    </p:extLst>
+  </p:cSld>
+  <p:clrMapOvr>
+    <a:masterClrMapping/>
+  </p:clrMapOvr>
+</p:sld>
+</file>
+
+<file path=ppt/slides/slide19.xml><?xml version="1.0" encoding="utf-8"?>
+<p:sld xmlns:a="http://schemas.openxmlformats.org/drawingml/2006/main" xmlns:r="http://schemas.openxmlformats.org/officeDocument/2006/relationships" xmlns:p="http://schemas.openxmlformats.org/presentationml/2006/main">
+  <p:cSld>
+    <p:spTree>
+      <p:nvGrpSpPr>
+        <p:cNvPr id="1" name=""/>
+        <p:cNvGrpSpPr/>
+        <p:nvPr/>
+      </p:nvGrpSpPr>
+      <p:grpSpPr>
+        <a:xfrm>
+          <a:off x="0" y="0"/>
+          <a:ext cx="0" cy="0"/>
+          <a:chOff x="0" y="0"/>
+          <a:chExt cx="0" cy="0"/>
+        </a:xfrm>
+      </p:grpSpPr>
+      <p:sp>
+        <p:nvSpPr>
+          <p:cNvPr id="2" name="Title 1">
+            <a:extLst>
+              <a:ext uri="{FF2B5EF4-FFF2-40B4-BE49-F238E27FC236}">
+                <a16:creationId xmlns:a16="http://schemas.microsoft.com/office/drawing/2014/main" id="{107AB305-AB44-8083-5993-1EB04C302387}"/>
+              </a:ext>
+            </a:extLst>
+          </p:cNvPr>
+          <p:cNvSpPr>
+            <a:spLocks noGrp="1"/>
+          </p:cNvSpPr>
+          <p:nvPr>
+            <p:ph type="title"/>
+          </p:nvPr>
+        </p:nvSpPr>
+        <p:spPr/>
+        <p:txBody>
+          <a:bodyPr>
+            <a:normAutofit/>
+          </a:bodyPr>
+          <a:lstStyle/>
+          <a:p>
+            <a:pPr algn="ctr" rtl="1"/>
+            <a:r>
+              <a:rPr lang="fa-IR" sz="4000" cap="none">
+                <a:solidFill>
+                  <a:schemeClr val="tx1"/>
+                </a:solidFill>
+                <a:effectLst>
+                  <a:glow rad="38100">
+                    <a:schemeClr val="bg1">
+                      <a:lumMod val="65000"/>
+                      <a:lumOff val="35000"/>
+                      <a:alpha val="40000"/>
+                    </a:schemeClr>
+                  </a:glow>
+                </a:effectLst>
+                <a:latin typeface="Adobe Arabic" panose="02040503050201020203" pitchFamily="18" charset="-78"/>
+                <a:cs typeface="Adobe Arabic" panose="02040503050201020203" pitchFamily="18" charset="-78"/>
+              </a:rPr>
+              <a:t>سوال هفتم</a:t>
+            </a:r>
+            <a:endParaRPr lang="en-US" sz="4000" cap="none">
+              <a:solidFill>
+                <a:schemeClr val="tx1"/>
+              </a:solidFill>
+              <a:effectLst>
+                <a:glow rad="38100">
+                  <a:schemeClr val="bg1">
+                    <a:lumMod val="65000"/>
+                    <a:lumOff val="35000"/>
+                    <a:alpha val="40000"/>
+                  </a:schemeClr>
+                </a:glow>
+              </a:effectLst>
+              <a:latin typeface="Adobe Arabic" panose="02040503050201020203" pitchFamily="18" charset="-78"/>
+              <a:cs typeface="Adobe Arabic" panose="02040503050201020203" pitchFamily="18" charset="-78"/>
+            </a:endParaRPr>
+          </a:p>
+        </p:txBody>
+      </p:sp>
+      <p:sp>
+        <p:nvSpPr>
+          <p:cNvPr id="3" name="Content Placeholder 2">
+            <a:extLst>
+              <a:ext uri="{FF2B5EF4-FFF2-40B4-BE49-F238E27FC236}">
+                <a16:creationId xmlns:a16="http://schemas.microsoft.com/office/drawing/2014/main" id="{6B49697D-BE84-FE57-7B9D-7A4481C3D290}"/>
+              </a:ext>
+            </a:extLst>
+          </p:cNvPr>
+          <p:cNvSpPr>
+            <a:spLocks noGrp="1"/>
+          </p:cNvSpPr>
+          <p:nvPr>
+            <p:ph idx="1"/>
+          </p:nvPr>
+        </p:nvSpPr>
+        <p:spPr>
+          <a:xfrm>
+            <a:off x="1141413" y="2696547"/>
+            <a:ext cx="9905998" cy="3551853"/>
+          </a:xfrm>
+        </p:spPr>
+        <p:txBody>
+          <a:bodyPr>
+            <a:normAutofit/>
+          </a:bodyPr>
+          <a:lstStyle/>
+          <a:p>
+            <a:pPr marL="0" indent="0" algn="ctr">
+              <a:buNone/>
+            </a:pPr>
+            <a:r>
+              <a:rPr lang="fa-IR" sz="2800" cap="none">
+                <a:solidFill>
+                  <a:schemeClr val="tx1"/>
+                </a:solidFill>
+                <a:effectLst>
+                  <a:glow rad="38100">
+                    <a:schemeClr val="bg1">
+                      <a:lumMod val="50000"/>
+                      <a:lumOff val="50000"/>
+                      <a:alpha val="20000"/>
+                    </a:schemeClr>
+                  </a:glow>
+                </a:effectLst>
+                <a:latin typeface="Adobe Arabic" panose="02040503050201020203" pitchFamily="18" charset="-78"/>
+                <a:cs typeface="Adobe Arabic" panose="02040503050201020203" pitchFamily="18" charset="-78"/>
+              </a:rPr>
+              <a:t>برنامه ای بنویسید که دمای هوا رو به سانتیگراد بگیرد و به فارنهایت بدهد</a:t>
+            </a:r>
+            <a:endParaRPr lang="en-US" sz="2800" cap="none">
+              <a:solidFill>
+                <a:schemeClr val="tx1"/>
+              </a:solidFill>
+              <a:effectLst>
+                <a:glow rad="38100">
+                  <a:schemeClr val="bg1">
+                    <a:lumMod val="50000"/>
+                    <a:lumOff val="50000"/>
+                    <a:alpha val="20000"/>
+                  </a:schemeClr>
+                </a:glow>
+              </a:effectLst>
+              <a:latin typeface="Adobe Arabic" panose="02040503050201020203" pitchFamily="18" charset="-78"/>
+              <a:cs typeface="Adobe Arabic" panose="02040503050201020203" pitchFamily="18" charset="-78"/>
+            </a:endParaRPr>
+          </a:p>
+        </p:txBody>
+      </p:sp>
+    </p:spTree>
+    <p:extLst>
+      <p:ext uri="{BB962C8B-B14F-4D97-AF65-F5344CB8AC3E}">
+        <p14:creationId xmlns:p14="http://schemas.microsoft.com/office/powerpoint/2010/main" val="984610519"/>
+      </p:ext>
+    </p:extLst>
+  </p:cSld>
+  <p:clrMapOvr>
+    <a:masterClrMapping/>
+  </p:clrMapOvr>
+</p:sld>
+</file>
+
 <file path=ppt/slides/slide2.xml><?xml version="1.0" encoding="utf-8"?>
 <p:sld xmlns:a="http://schemas.openxmlformats.org/drawingml/2006/main" xmlns:r="http://schemas.openxmlformats.org/officeDocument/2006/relationships" xmlns:p="http://schemas.openxmlformats.org/presentationml/2006/main">
   <p:cSld>
@@ -8223,6 +9035,373 @@
     <p:extLst>
       <p:ext uri="{BB962C8B-B14F-4D97-AF65-F5344CB8AC3E}">
         <p14:creationId xmlns:p14="http://schemas.microsoft.com/office/powerpoint/2010/main" val="3512212658"/>
+      </p:ext>
+    </p:extLst>
+  </p:cSld>
+  <p:clrMapOvr>
+    <a:masterClrMapping/>
+  </p:clrMapOvr>
+</p:sld>
+</file>
+
+<file path=ppt/slides/slide20.xml><?xml version="1.0" encoding="utf-8"?>
+<p:sld xmlns:a="http://schemas.openxmlformats.org/drawingml/2006/main" xmlns:r="http://schemas.openxmlformats.org/officeDocument/2006/relationships" xmlns:p="http://schemas.openxmlformats.org/presentationml/2006/main">
+  <p:cSld>
+    <p:spTree>
+      <p:nvGrpSpPr>
+        <p:cNvPr id="1" name=""/>
+        <p:cNvGrpSpPr/>
+        <p:nvPr/>
+      </p:nvGrpSpPr>
+      <p:grpSpPr>
+        <a:xfrm>
+          <a:off x="0" y="0"/>
+          <a:ext cx="0" cy="0"/>
+          <a:chOff x="0" y="0"/>
+          <a:chExt cx="0" cy="0"/>
+        </a:xfrm>
+      </p:grpSpPr>
+      <p:sp>
+        <p:nvSpPr>
+          <p:cNvPr id="2" name="Title 1">
+            <a:extLst>
+              <a:ext uri="{FF2B5EF4-FFF2-40B4-BE49-F238E27FC236}">
+                <a16:creationId xmlns:a16="http://schemas.microsoft.com/office/drawing/2014/main" id="{107AB305-AB44-8083-5993-1EB04C302387}"/>
+              </a:ext>
+            </a:extLst>
+          </p:cNvPr>
+          <p:cNvSpPr>
+            <a:spLocks noGrp="1"/>
+          </p:cNvSpPr>
+          <p:nvPr>
+            <p:ph type="title"/>
+          </p:nvPr>
+        </p:nvSpPr>
+        <p:spPr/>
+        <p:txBody>
+          <a:bodyPr>
+            <a:normAutofit/>
+          </a:bodyPr>
+          <a:lstStyle/>
+          <a:p>
+            <a:pPr algn="ctr" rtl="1"/>
+            <a:r>
+              <a:rPr lang="fa-IR" sz="4000" cap="none">
+                <a:solidFill>
+                  <a:schemeClr val="tx1"/>
+                </a:solidFill>
+                <a:effectLst>
+                  <a:glow rad="38100">
+                    <a:schemeClr val="bg1">
+                      <a:lumMod val="65000"/>
+                      <a:lumOff val="35000"/>
+                      <a:alpha val="40000"/>
+                    </a:schemeClr>
+                  </a:glow>
+                </a:effectLst>
+                <a:latin typeface="Adobe Arabic" panose="02040503050201020203" pitchFamily="18" charset="-78"/>
+                <a:cs typeface="Adobe Arabic" panose="02040503050201020203" pitchFamily="18" charset="-78"/>
+              </a:rPr>
+              <a:t>سوال هشتم</a:t>
+            </a:r>
+            <a:endParaRPr lang="en-US" sz="4000" cap="none">
+              <a:solidFill>
+                <a:schemeClr val="tx1"/>
+              </a:solidFill>
+              <a:effectLst>
+                <a:glow rad="38100">
+                  <a:schemeClr val="bg1">
+                    <a:lumMod val="65000"/>
+                    <a:lumOff val="35000"/>
+                    <a:alpha val="40000"/>
+                  </a:schemeClr>
+                </a:glow>
+              </a:effectLst>
+              <a:latin typeface="Adobe Arabic" panose="02040503050201020203" pitchFamily="18" charset="-78"/>
+              <a:cs typeface="Adobe Arabic" panose="02040503050201020203" pitchFamily="18" charset="-78"/>
+            </a:endParaRPr>
+          </a:p>
+        </p:txBody>
+      </p:sp>
+      <p:sp>
+        <p:nvSpPr>
+          <p:cNvPr id="3" name="Content Placeholder 2">
+            <a:extLst>
+              <a:ext uri="{FF2B5EF4-FFF2-40B4-BE49-F238E27FC236}">
+                <a16:creationId xmlns:a16="http://schemas.microsoft.com/office/drawing/2014/main" id="{6B49697D-BE84-FE57-7B9D-7A4481C3D290}"/>
+              </a:ext>
+            </a:extLst>
+          </p:cNvPr>
+          <p:cNvSpPr>
+            <a:spLocks noGrp="1"/>
+          </p:cNvSpPr>
+          <p:nvPr>
+            <p:ph idx="1"/>
+          </p:nvPr>
+        </p:nvSpPr>
+        <p:spPr>
+          <a:xfrm>
+            <a:off x="1141413" y="2696547"/>
+            <a:ext cx="9905998" cy="3551853"/>
+          </a:xfrm>
+        </p:spPr>
+        <p:txBody>
+          <a:bodyPr>
+            <a:normAutofit/>
+          </a:bodyPr>
+          <a:lstStyle/>
+          <a:p>
+            <a:pPr marL="0" indent="0" algn="ctr">
+              <a:buNone/>
+            </a:pPr>
+            <a:r>
+              <a:rPr lang="fa-IR" sz="2800" cap="none">
+                <a:solidFill>
+                  <a:schemeClr val="tx1"/>
+                </a:solidFill>
+                <a:effectLst>
+                  <a:glow rad="38100">
+                    <a:schemeClr val="bg1">
+                      <a:lumMod val="50000"/>
+                      <a:lumOff val="50000"/>
+                      <a:alpha val="20000"/>
+                    </a:schemeClr>
+                  </a:glow>
+                </a:effectLst>
+                <a:latin typeface="Adobe Arabic" panose="02040503050201020203" pitchFamily="18" charset="-78"/>
+                <a:cs typeface="Adobe Arabic" panose="02040503050201020203" pitchFamily="18" charset="-78"/>
+              </a:rPr>
+              <a:t>برنامه ای بنویسید که اعضای تکراری یک لیست رو حذف کند و یه لیست بدون داده تکراری بدهد</a:t>
+            </a:r>
+            <a:endParaRPr lang="en-US" sz="2800" cap="none">
+              <a:solidFill>
+                <a:schemeClr val="tx1"/>
+              </a:solidFill>
+              <a:effectLst>
+                <a:glow rad="38100">
+                  <a:schemeClr val="bg1">
+                    <a:lumMod val="50000"/>
+                    <a:lumOff val="50000"/>
+                    <a:alpha val="20000"/>
+                  </a:schemeClr>
+                </a:glow>
+              </a:effectLst>
+              <a:latin typeface="Adobe Arabic" panose="02040503050201020203" pitchFamily="18" charset="-78"/>
+              <a:cs typeface="Adobe Arabic" panose="02040503050201020203" pitchFamily="18" charset="-78"/>
+            </a:endParaRPr>
+          </a:p>
+        </p:txBody>
+      </p:sp>
+    </p:spTree>
+    <p:extLst>
+      <p:ext uri="{BB962C8B-B14F-4D97-AF65-F5344CB8AC3E}">
+        <p14:creationId xmlns:p14="http://schemas.microsoft.com/office/powerpoint/2010/main" val="830716033"/>
+      </p:ext>
+    </p:extLst>
+  </p:cSld>
+  <p:clrMapOvr>
+    <a:masterClrMapping/>
+  </p:clrMapOvr>
+</p:sld>
+</file>
+
+<file path=ppt/slides/slide21.xml><?xml version="1.0" encoding="utf-8"?>
+<p:sld xmlns:a="http://schemas.openxmlformats.org/drawingml/2006/main" xmlns:r="http://schemas.openxmlformats.org/officeDocument/2006/relationships" xmlns:p="http://schemas.openxmlformats.org/presentationml/2006/main">
+  <p:cSld>
+    <p:spTree>
+      <p:nvGrpSpPr>
+        <p:cNvPr id="1" name=""/>
+        <p:cNvGrpSpPr/>
+        <p:nvPr/>
+      </p:nvGrpSpPr>
+      <p:grpSpPr>
+        <a:xfrm>
+          <a:off x="0" y="0"/>
+          <a:ext cx="0" cy="0"/>
+          <a:chOff x="0" y="0"/>
+          <a:chExt cx="0" cy="0"/>
+        </a:xfrm>
+      </p:grpSpPr>
+      <p:sp>
+        <p:nvSpPr>
+          <p:cNvPr id="2" name="Title 1">
+            <a:extLst>
+              <a:ext uri="{FF2B5EF4-FFF2-40B4-BE49-F238E27FC236}">
+                <a16:creationId xmlns:a16="http://schemas.microsoft.com/office/drawing/2014/main" id="{107AB305-AB44-8083-5993-1EB04C302387}"/>
+              </a:ext>
+            </a:extLst>
+          </p:cNvPr>
+          <p:cNvSpPr>
+            <a:spLocks noGrp="1"/>
+          </p:cNvSpPr>
+          <p:nvPr>
+            <p:ph type="title"/>
+          </p:nvPr>
+        </p:nvSpPr>
+        <p:spPr/>
+        <p:txBody>
+          <a:bodyPr>
+            <a:normAutofit/>
+          </a:bodyPr>
+          <a:lstStyle/>
+          <a:p>
+            <a:pPr algn="ctr" rtl="1"/>
+            <a:r>
+              <a:rPr lang="fa-IR" sz="4000" cap="none">
+                <a:solidFill>
+                  <a:schemeClr val="tx1"/>
+                </a:solidFill>
+                <a:effectLst>
+                  <a:glow rad="38100">
+                    <a:schemeClr val="bg1">
+                      <a:lumMod val="65000"/>
+                      <a:lumOff val="35000"/>
+                      <a:alpha val="40000"/>
+                    </a:schemeClr>
+                  </a:glow>
+                </a:effectLst>
+                <a:latin typeface="Adobe Arabic" panose="02040503050201020203" pitchFamily="18" charset="-78"/>
+                <a:cs typeface="Adobe Arabic" panose="02040503050201020203" pitchFamily="18" charset="-78"/>
+              </a:rPr>
+              <a:t>سوال نهم</a:t>
+            </a:r>
+            <a:endParaRPr lang="en-US" sz="4000" cap="none">
+              <a:solidFill>
+                <a:schemeClr val="tx1"/>
+              </a:solidFill>
+              <a:effectLst>
+                <a:glow rad="38100">
+                  <a:schemeClr val="bg1">
+                    <a:lumMod val="65000"/>
+                    <a:lumOff val="35000"/>
+                    <a:alpha val="40000"/>
+                  </a:schemeClr>
+                </a:glow>
+              </a:effectLst>
+              <a:latin typeface="Adobe Arabic" panose="02040503050201020203" pitchFamily="18" charset="-78"/>
+              <a:cs typeface="Adobe Arabic" panose="02040503050201020203" pitchFamily="18" charset="-78"/>
+            </a:endParaRPr>
+          </a:p>
+        </p:txBody>
+      </p:sp>
+      <p:sp>
+        <p:nvSpPr>
+          <p:cNvPr id="3" name="Content Placeholder 2">
+            <a:extLst>
+              <a:ext uri="{FF2B5EF4-FFF2-40B4-BE49-F238E27FC236}">
+                <a16:creationId xmlns:a16="http://schemas.microsoft.com/office/drawing/2014/main" id="{6B49697D-BE84-FE57-7B9D-7A4481C3D290}"/>
+              </a:ext>
+            </a:extLst>
+          </p:cNvPr>
+          <p:cNvSpPr>
+            <a:spLocks noGrp="1"/>
+          </p:cNvSpPr>
+          <p:nvPr>
+            <p:ph idx="1"/>
+          </p:nvPr>
+        </p:nvSpPr>
+        <p:spPr>
+          <a:xfrm>
+            <a:off x="1141413" y="2696547"/>
+            <a:ext cx="9905998" cy="3551853"/>
+          </a:xfrm>
+        </p:spPr>
+        <p:txBody>
+          <a:bodyPr>
+            <a:normAutofit/>
+          </a:bodyPr>
+          <a:lstStyle/>
+          <a:p>
+            <a:pPr marL="0" indent="0" algn="ctr">
+              <a:buNone/>
+            </a:pPr>
+            <a:r>
+              <a:rPr lang="fa-IR" sz="2800" cap="none">
+                <a:solidFill>
+                  <a:schemeClr val="tx1"/>
+                </a:solidFill>
+                <a:effectLst>
+                  <a:glow rad="38100">
+                    <a:schemeClr val="bg1">
+                      <a:lumMod val="50000"/>
+                      <a:lumOff val="50000"/>
+                      <a:alpha val="20000"/>
+                    </a:schemeClr>
+                  </a:glow>
+                </a:effectLst>
+                <a:latin typeface="Adobe Arabic" panose="02040503050201020203" pitchFamily="18" charset="-78"/>
+                <a:cs typeface="Adobe Arabic" panose="02040503050201020203" pitchFamily="18" charset="-78"/>
+              </a:rPr>
+              <a:t>برنامه ای بنویسید که اطلاعاتی از کاربر بگیرد</a:t>
+            </a:r>
+          </a:p>
+          <a:p>
+            <a:pPr marL="0" indent="0" algn="ctr">
+              <a:buNone/>
+            </a:pPr>
+            <a:r>
+              <a:rPr lang="fa-IR" sz="2800" cap="none">
+                <a:solidFill>
+                  <a:schemeClr val="tx1"/>
+                </a:solidFill>
+                <a:effectLst>
+                  <a:glow rad="38100">
+                    <a:schemeClr val="bg1">
+                      <a:lumMod val="50000"/>
+                      <a:lumOff val="50000"/>
+                      <a:alpha val="20000"/>
+                    </a:schemeClr>
+                  </a:glow>
+                </a:effectLst>
+                <a:latin typeface="Adobe Arabic" panose="02040503050201020203" pitchFamily="18" charset="-78"/>
+                <a:cs typeface="Adobe Arabic" panose="02040503050201020203" pitchFamily="18" charset="-78"/>
+              </a:rPr>
+              <a:t>در یک دیکشنری به نام کاربر بریزد</a:t>
+            </a:r>
+            <a:br>
+              <a:rPr lang="fa-IR" sz="2800" cap="none">
+                <a:solidFill>
+                  <a:schemeClr val="tx1"/>
+                </a:solidFill>
+                <a:effectLst>
+                  <a:glow rad="38100">
+                    <a:schemeClr val="bg1">
+                      <a:lumMod val="50000"/>
+                      <a:lumOff val="50000"/>
+                      <a:alpha val="20000"/>
+                    </a:schemeClr>
+                  </a:glow>
+                </a:effectLst>
+                <a:latin typeface="Adobe Arabic" panose="02040503050201020203" pitchFamily="18" charset="-78"/>
+                <a:cs typeface="Adobe Arabic" panose="02040503050201020203" pitchFamily="18" charset="-78"/>
+              </a:rPr>
+            </a:br>
+            <a:r>
+              <a:rPr lang="fa-IR" sz="2800" cap="none">
+                <a:solidFill>
+                  <a:schemeClr val="tx1"/>
+                </a:solidFill>
+                <a:effectLst>
+                  <a:glow rad="38100">
+                    <a:schemeClr val="bg1">
+                      <a:lumMod val="50000"/>
+                      <a:lumOff val="50000"/>
+                      <a:alpha val="20000"/>
+                    </a:schemeClr>
+                  </a:glow>
+                </a:effectLst>
+                <a:latin typeface="Adobe Arabic" panose="02040503050201020203" pitchFamily="18" charset="-78"/>
+                <a:cs typeface="Adobe Arabic" panose="02040503050201020203" pitchFamily="18" charset="-78"/>
+              </a:rPr>
+              <a:t>سپس آن را چاپ کند</a:t>
+            </a:r>
+          </a:p>
+        </p:txBody>
+      </p:sp>
+    </p:spTree>
+    <p:extLst>
+      <p:ext uri="{BB962C8B-B14F-4D97-AF65-F5344CB8AC3E}">
+        <p14:creationId xmlns:p14="http://schemas.microsoft.com/office/powerpoint/2010/main" val="217834174"/>
       </p:ext>
     </p:extLst>
   </p:cSld>
